--- a/naanmudhalvan.pptx
+++ b/naanmudhalvan.pptx
@@ -118,7 +118,7 @@
   </p:defaultTextStyle>
   <p:extLst>
     <p:ext uri="{EFAFB233-063F-42B5-8137-9DF3F51BA10A}">
-      <p15:sldGuideLst xmlns:p15="http://schemas.microsoft.com/office/powerpoint/2012/main">
+      <p15:sldGuideLst xmlns="" xmlns:p15="http://schemas.microsoft.com/office/powerpoint/2012/main">
         <p15:guide id="1" orient="horz" pos="2880">
           <p15:clr>
             <a:srgbClr val="A4A3A4"/>
@@ -217,7 +217,8 @@
           <a:p>
             <a:fld id="{10EFAB01-1165-4D37-960B-11F02311F91C}" type="datetimeFigureOut">
               <a:rPr lang="en-IN" smtClean="0"/>
-              <a:t>03-04-2024</a:t>
+              <a:pPr/>
+              <a:t>04-04-2024</a:t>
             </a:fld>
             <a:endParaRPr lang="en-IN"/>
           </a:p>
@@ -376,6 +377,7 @@
           <a:p>
             <a:fld id="{020E6C3C-017E-4557-9DF7-BD389D74B291}" type="slidenum">
               <a:rPr lang="en-IN" smtClean="0"/>
+              <a:pPr/>
               <a:t>‹#›</a:t>
             </a:fld>
             <a:endParaRPr lang="en-IN"/>
@@ -385,7 +387,7 @@
     </p:spTree>
     <p:extLst>
       <p:ext uri="{BB962C8B-B14F-4D97-AF65-F5344CB8AC3E}">
-        <p14:creationId xmlns:p14="http://schemas.microsoft.com/office/powerpoint/2010/main" val="2242022262"/>
+        <p14:creationId xmlns="" xmlns:p14="http://schemas.microsoft.com/office/powerpoint/2010/main" val="2242022262"/>
       </p:ext>
     </p:extLst>
   </p:cSld>
@@ -550,6 +552,7 @@
           <a:p>
             <a:fld id="{020E6C3C-017E-4557-9DF7-BD389D74B291}" type="slidenum">
               <a:rPr lang="en-IN" smtClean="0"/>
+              <a:pPr/>
               <a:t>3</a:t>
             </a:fld>
             <a:endParaRPr lang="en-IN"/>
@@ -559,7 +562,7 @@
     </p:spTree>
     <p:extLst>
       <p:ext uri="{BB962C8B-B14F-4D97-AF65-F5344CB8AC3E}">
-        <p14:creationId xmlns:p14="http://schemas.microsoft.com/office/powerpoint/2010/main" val="2361464948"/>
+        <p14:creationId xmlns="" xmlns:p14="http://schemas.microsoft.com/office/powerpoint/2010/main" val="2361464948"/>
       </p:ext>
     </p:extLst>
   </p:cSld>
@@ -714,7 +717,8 @@
           <a:p>
             <a:fld id="{1D8BD707-D9CF-40AE-B4C6-C98DA3205C09}" type="datetimeFigureOut">
               <a:rPr lang="en-US"/>
-              <a:t>4/3/2024</a:t>
+              <a:pPr/>
+              <a:t>4/4/2024</a:t>
             </a:fld>
             <a:endParaRPr lang="en-US"/>
           </a:p>
@@ -755,6 +759,14 @@
             </a:pPr>
             <a:fld id="{81D60167-4931-47E6-BA6A-407CBD079E47}" type="slidenum">
               <a:rPr spc="10" dirty="0"/>
+              <a:pPr marL="38100">
+                <a:lnSpc>
+                  <a:spcPct val="100000"/>
+                </a:lnSpc>
+                <a:spcBef>
+                  <a:spcPts val="55"/>
+                </a:spcBef>
+              </a:pPr>
               <a:t>‹#›</a:t>
             </a:fld>
             <a:endParaRPr spc="10" dirty="0"/>
@@ -894,7 +906,8 @@
           <a:p>
             <a:fld id="{1D8BD707-D9CF-40AE-B4C6-C98DA3205C09}" type="datetimeFigureOut">
               <a:rPr lang="en-US"/>
-              <a:t>4/3/2024</a:t>
+              <a:pPr/>
+              <a:t>4/4/2024</a:t>
             </a:fld>
             <a:endParaRPr lang="en-US"/>
           </a:p>
@@ -935,6 +948,14 @@
             </a:pPr>
             <a:fld id="{81D60167-4931-47E6-BA6A-407CBD079E47}" type="slidenum">
               <a:rPr spc="10" dirty="0"/>
+              <a:pPr marL="38100">
+                <a:lnSpc>
+                  <a:spcPct val="100000"/>
+                </a:lnSpc>
+                <a:spcBef>
+                  <a:spcPts val="55"/>
+                </a:spcBef>
+              </a:pPr>
               <a:t>‹#›</a:t>
             </a:fld>
             <a:endParaRPr spc="10" dirty="0"/>
@@ -1117,7 +1138,8 @@
           <a:p>
             <a:fld id="{1D8BD707-D9CF-40AE-B4C6-C98DA3205C09}" type="datetimeFigureOut">
               <a:rPr lang="en-US"/>
-              <a:t>4/3/2024</a:t>
+              <a:pPr/>
+              <a:t>4/4/2024</a:t>
             </a:fld>
             <a:endParaRPr lang="en-US"/>
           </a:p>
@@ -1158,6 +1180,14 @@
             </a:pPr>
             <a:fld id="{81D60167-4931-47E6-BA6A-407CBD079E47}" type="slidenum">
               <a:rPr spc="10" dirty="0"/>
+              <a:pPr marL="38100">
+                <a:lnSpc>
+                  <a:spcPct val="100000"/>
+                </a:lnSpc>
+                <a:spcBef>
+                  <a:spcPts val="55"/>
+                </a:spcBef>
+              </a:pPr>
               <a:t>‹#›</a:t>
             </a:fld>
             <a:endParaRPr spc="10" dirty="0"/>
@@ -1274,7 +1304,8 @@
           <a:p>
             <a:fld id="{1D8BD707-D9CF-40AE-B4C6-C98DA3205C09}" type="datetimeFigureOut">
               <a:rPr lang="en-US"/>
-              <a:t>4/3/2024</a:t>
+              <a:pPr/>
+              <a:t>4/4/2024</a:t>
             </a:fld>
             <a:endParaRPr lang="en-US"/>
           </a:p>
@@ -1315,6 +1346,14 @@
             </a:pPr>
             <a:fld id="{81D60167-4931-47E6-BA6A-407CBD079E47}" type="slidenum">
               <a:rPr spc="10" dirty="0"/>
+              <a:pPr marL="38100">
+                <a:lnSpc>
+                  <a:spcPct val="100000"/>
+                </a:lnSpc>
+                <a:spcBef>
+                  <a:spcPts val="55"/>
+                </a:spcBef>
+              </a:pPr>
               <a:t>‹#›</a:t>
             </a:fld>
             <a:endParaRPr spc="10" dirty="0"/>
@@ -1402,7 +1441,8 @@
           <a:p>
             <a:fld id="{1D8BD707-D9CF-40AE-B4C6-C98DA3205C09}" type="datetimeFigureOut">
               <a:rPr lang="en-US"/>
-              <a:t>4/3/2024</a:t>
+              <a:pPr/>
+              <a:t>4/4/2024</a:t>
             </a:fld>
             <a:endParaRPr lang="en-US"/>
           </a:p>
@@ -1443,6 +1483,14 @@
             </a:pPr>
             <a:fld id="{81D60167-4931-47E6-BA6A-407CBD079E47}" type="slidenum">
               <a:rPr spc="10" dirty="0"/>
+              <a:pPr marL="38100">
+                <a:lnSpc>
+                  <a:spcPct val="100000"/>
+                </a:lnSpc>
+                <a:spcBef>
+                  <a:spcPts val="55"/>
+                </a:spcBef>
+              </a:pPr>
               <a:t>‹#›</a:t>
             </a:fld>
             <a:endParaRPr spc="10" dirty="0"/>
@@ -2121,7 +2169,8 @@
           <a:p>
             <a:fld id="{1D8BD707-D9CF-40AE-B4C6-C98DA3205C09}" type="datetimeFigureOut">
               <a:rPr lang="en-US"/>
-              <a:t>4/3/2024</a:t>
+              <a:pPr/>
+              <a:t>4/4/2024</a:t>
             </a:fld>
             <a:endParaRPr lang="en-US"/>
           </a:p>
@@ -2172,6 +2221,14 @@
             </a:pPr>
             <a:fld id="{81D60167-4931-47E6-BA6A-407CBD079E47}" type="slidenum">
               <a:rPr spc="10" dirty="0"/>
+              <a:pPr marL="38100">
+                <a:lnSpc>
+                  <a:spcPct val="100000"/>
+                </a:lnSpc>
+                <a:spcBef>
+                  <a:spcPts val="55"/>
+                </a:spcBef>
+              </a:pPr>
               <a:t>‹#›</a:t>
             </a:fld>
             <a:endParaRPr spc="10" dirty="0"/>
@@ -2600,8 +2657,8 @@
         </p:nvSpPr>
         <p:spPr>
           <a:xfrm>
-            <a:off x="3195574" y="2067305"/>
-            <a:ext cx="6405626" cy="509114"/>
+            <a:off x="3167042" y="2643182"/>
+            <a:ext cx="6405626" cy="724557"/>
           </a:xfrm>
           <a:prstGeom prst="rect">
             <a:avLst/>
@@ -2622,10 +2679,14 @@
               </a:spcBef>
             </a:pPr>
             <a:r>
-              <a:rPr lang="en-IN" spc="15" dirty="0"/>
-              <a:t>Harris Samuel D</a:t>
-            </a:r>
-            <a:endParaRPr spc="15" dirty="0"/>
+              <a:rPr lang="en-IN" sz="4600" spc="15" dirty="0" err="1" smtClean="0"/>
+              <a:t>Dinesh</a:t>
+            </a:r>
+            <a:r>
+              <a:rPr lang="en-IN" sz="4600" spc="15" dirty="0" smtClean="0"/>
+              <a:t> S</a:t>
+            </a:r>
+            <a:endParaRPr sz="4600" spc="15" dirty="0"/>
           </a:p>
         </p:txBody>
       </p:sp>
@@ -2638,7 +2699,7 @@
         <p:spPr>
           <a:xfrm>
             <a:off x="6395244" y="4343400"/>
-            <a:ext cx="4577555" cy="1133644"/>
+            <a:ext cx="4577555" cy="382156"/>
           </a:xfrm>
           <a:prstGeom prst="rect">
             <a:avLst/>
@@ -2659,7 +2720,7 @@
               </a:spcBef>
             </a:pPr>
             <a:r>
-              <a:rPr sz="2400" b="1" spc="10" dirty="0">
+              <a:rPr sz="2400" b="1" spc="10">
                 <a:solidFill>
                   <a:srgbClr val="2D936B"/>
                 </a:solidFill>
@@ -2669,7 +2730,7 @@
               <a:t>Final</a:t>
             </a:r>
             <a:r>
-              <a:rPr sz="2400" b="1" spc="-165" dirty="0">
+              <a:rPr sz="2400" b="1" spc="-165">
                 <a:solidFill>
                   <a:srgbClr val="2D936B"/>
                 </a:solidFill>
@@ -2679,7 +2740,7 @@
               <a:t> </a:t>
             </a:r>
             <a:r>
-              <a:rPr sz="2400" b="1" spc="-5" dirty="0">
+              <a:rPr sz="2400" b="1" spc="-5" smtClean="0">
                 <a:solidFill>
                   <a:srgbClr val="2D936B"/>
                 </a:solidFill>
@@ -2692,40 +2753,6 @@
               <a:solidFill>
                 <a:srgbClr val="2D936B"/>
               </a:solidFill>
-              <a:latin typeface="Trebuchet MS"/>
-              <a:cs typeface="Trebuchet MS"/>
-            </a:endParaRPr>
-          </a:p>
-          <a:p>
-            <a:pPr marL="12700">
-              <a:lnSpc>
-                <a:spcPct val="100000"/>
-              </a:lnSpc>
-              <a:spcBef>
-                <a:spcPts val="100"/>
-              </a:spcBef>
-            </a:pPr>
-            <a:r>
-              <a:rPr lang="en-US" sz="2400" b="1" dirty="0"/>
-              <a:t>: </a:t>
-            </a:r>
-            <a:r>
-              <a:rPr lang="en-US" sz="2400" dirty="0" err="1"/>
-              <a:t>MindWell</a:t>
-            </a:r>
-            <a:r>
-              <a:rPr lang="en-US" sz="2400" dirty="0"/>
-              <a:t> - </a:t>
-            </a:r>
-            <a:r>
-              <a:rPr lang="en-US" sz="2400"/>
-              <a:t>A Health </a:t>
-            </a:r>
-            <a:r>
-              <a:rPr lang="en-US" sz="2400" dirty="0"/>
-              <a:t>Chatbot for Well-being and Support</a:t>
-            </a:r>
-            <a:endParaRPr sz="2400" dirty="0">
               <a:latin typeface="Trebuchet MS"/>
               <a:cs typeface="Trebuchet MS"/>
             </a:endParaRPr>
@@ -2961,6 +2988,14 @@
             </a:pPr>
             <a:fld id="{81D60167-4931-47E6-BA6A-407CBD079E47}" type="slidenum">
               <a:rPr spc="10" dirty="0"/>
+              <a:pPr marL="38100">
+                <a:lnSpc>
+                  <a:spcPct val="100000"/>
+                </a:lnSpc>
+                <a:spcBef>
+                  <a:spcPts val="55"/>
+                </a:spcBef>
+              </a:pPr>
               <a:t>1</a:t>
             </a:fld>
             <a:endParaRPr spc="10" dirty="0"/>
@@ -3434,6 +3469,14 @@
                 <a:latin typeface="Trebuchet MS"/>
                 <a:cs typeface="Trebuchet MS"/>
               </a:rPr>
+              <a:pPr marL="38100">
+                <a:lnSpc>
+                  <a:spcPct val="100000"/>
+                </a:lnSpc>
+                <a:spcBef>
+                  <a:spcPts val="55"/>
+                </a:spcBef>
+              </a:pPr>
               <a:t>10</a:t>
             </a:fld>
             <a:endParaRPr sz="1100">
@@ -3448,7 +3491,7 @@
           <p:cNvPr id="11" name="Rectangle 2">
             <a:extLst>
               <a:ext uri="{FF2B5EF4-FFF2-40B4-BE49-F238E27FC236}">
-                <a16:creationId xmlns:a16="http://schemas.microsoft.com/office/drawing/2014/main" id="{02E4A8AF-4F2B-42CA-8531-DD07B1062F71}"/>
+                <a16:creationId xmlns="" xmlns:a16="http://schemas.microsoft.com/office/drawing/2014/main" id="{02E4A8AF-4F2B-42CA-8531-DD07B1062F71}"/>
               </a:ext>
             </a:extLst>
           </p:cNvPr>
@@ -3472,14 +3515,14 @@
           <a:effectLst/>
           <a:extLst>
             <a:ext uri="{909E8E84-426E-40DD-AFC4-6F175D3DCCD1}">
-              <a14:hiddenFill xmlns:a14="http://schemas.microsoft.com/office/drawing/2010/main">
+              <a14:hiddenFill xmlns="" xmlns:a14="http://schemas.microsoft.com/office/drawing/2010/main">
                 <a:solidFill>
                   <a:schemeClr val="accent1"/>
                 </a:solidFill>
               </a14:hiddenFill>
             </a:ext>
             <a:ext uri="{91240B29-F687-4F45-9708-019B960494DF}">
-              <a14:hiddenLine xmlns:a14="http://schemas.microsoft.com/office/drawing/2010/main" w="9525">
+              <a14:hiddenLine xmlns="" xmlns:a14="http://schemas.microsoft.com/office/drawing/2010/main" w="9525">
                 <a:solidFill>
                   <a:schemeClr val="tx1"/>
                 </a:solidFill>
@@ -3489,7 +3532,7 @@
               </a14:hiddenLine>
             </a:ext>
             <a:ext uri="{AF507438-7753-43E0-B8FC-AC1667EBCBE1}">
-              <a14:hiddenEffects xmlns:a14="http://schemas.microsoft.com/office/drawing/2010/main">
+              <a14:hiddenEffects xmlns="" xmlns:a14="http://schemas.microsoft.com/office/drawing/2010/main">
                 <a:effectLst>
                   <a:outerShdw dist="35921" dir="2700000" algn="ctr" rotWithShape="0">
                     <a:schemeClr val="bg2"/>
@@ -3524,6 +3567,19 @@
               <a:buNone/>
               <a:tabLst/>
             </a:pPr>
+            <a:r>
+              <a:rPr kumimoji="0" lang="en-US" altLang="en-US" sz="1800" b="0" i="0" u="none" strike="noStrike" cap="none" normalizeH="0" baseline="0">
+                <a:ln>
+                  <a:noFill/>
+                </a:ln>
+                <a:solidFill>
+                  <a:srgbClr val="FFFFFF"/>
+                </a:solidFill>
+                <a:effectLst/>
+                <a:latin typeface="Söhne"/>
+              </a:rPr>
+              <a:t/>
+            </a:r>
             <a:br>
               <a:rPr kumimoji="0" lang="en-US" altLang="en-US" sz="1800" b="0" i="0" u="none" strike="noStrike" cap="none" normalizeH="0" baseline="0">
                 <a:ln>
@@ -3554,7 +3610,7 @@
           <p:cNvPr id="15" name="TextBox 14">
             <a:extLst>
               <a:ext uri="{FF2B5EF4-FFF2-40B4-BE49-F238E27FC236}">
-                <a16:creationId xmlns:a16="http://schemas.microsoft.com/office/drawing/2014/main" id="{DAA6A85E-C3E0-10A3-AF13-19835EAEE021}"/>
+                <a16:creationId xmlns="" xmlns:a16="http://schemas.microsoft.com/office/drawing/2014/main" id="{DAA6A85E-C3E0-10A3-AF13-19835EAEE021}"/>
               </a:ext>
             </a:extLst>
           </p:cNvPr>
@@ -3564,7 +3620,7 @@
         <p:spPr>
           <a:xfrm>
             <a:off x="674618" y="5932396"/>
-            <a:ext cx="5497582" cy="369332"/>
+            <a:ext cx="5497582" cy="646331"/>
           </a:xfrm>
           <a:prstGeom prst="rect">
             <a:avLst/>
@@ -3584,9 +3640,14 @@
               <a:t>Demo Link</a:t>
             </a:r>
             <a:r>
-              <a:rPr lang="en-IN" dirty="0"/>
-              <a:t>://github.com/0xHarrix/TNSDC-Generative-AI</a:t>
-            </a:r>
+              <a:rPr lang="en-IN"/>
+              <a:t>://</a:t>
+            </a:r>
+            <a:r>
+              <a:rPr lang="en-IN" smtClean="0"/>
+              <a:t>github.com/DineshisTaken/TNSDC-Generative-AI</a:t>
+            </a:r>
+            <a:endParaRPr lang="en-IN" dirty="0"/>
           </a:p>
         </p:txBody>
       </p:sp>
@@ -3595,7 +3656,7 @@
           <p:cNvPr id="21" name="Picture 20">
             <a:extLst>
               <a:ext uri="{FF2B5EF4-FFF2-40B4-BE49-F238E27FC236}">
-                <a16:creationId xmlns:a16="http://schemas.microsoft.com/office/drawing/2014/main" id="{42A6CFA8-B1AC-0ABE-2CFE-E9CA2890C129}"/>
+                <a16:creationId xmlns="" xmlns:a16="http://schemas.microsoft.com/office/drawing/2014/main" id="{42A6CFA8-B1AC-0ABE-2CFE-E9CA2890C129}"/>
               </a:ext>
             </a:extLst>
           </p:cNvPr>
@@ -3608,7 +3669,7 @@
           <a:blip r:embed="rId4">
             <a:extLst>
               <a:ext uri="{28A0092B-C50C-407E-A947-70E740481C1C}">
-                <a14:useLocalDpi xmlns:a14="http://schemas.microsoft.com/office/drawing/2010/main" val="0"/>
+                <a14:useLocalDpi xmlns="" xmlns:a14="http://schemas.microsoft.com/office/drawing/2010/main" val="0"/>
               </a:ext>
             </a:extLst>
           </a:blip>
@@ -3631,7 +3692,7 @@
           <p:cNvPr id="23" name="Picture 22">
             <a:extLst>
               <a:ext uri="{FF2B5EF4-FFF2-40B4-BE49-F238E27FC236}">
-                <a16:creationId xmlns:a16="http://schemas.microsoft.com/office/drawing/2014/main" id="{4BEDF5D7-09A0-999B-9DC0-95FB591E2807}"/>
+                <a16:creationId xmlns="" xmlns:a16="http://schemas.microsoft.com/office/drawing/2014/main" id="{4BEDF5D7-09A0-999B-9DC0-95FB591E2807}"/>
               </a:ext>
             </a:extLst>
           </p:cNvPr>
@@ -3644,7 +3705,7 @@
           <a:blip r:embed="rId5">
             <a:extLst>
               <a:ext uri="{28A0092B-C50C-407E-A947-70E740481C1C}">
-                <a14:useLocalDpi xmlns:a14="http://schemas.microsoft.com/office/drawing/2010/main" val="0"/>
+                <a14:useLocalDpi xmlns="" xmlns:a14="http://schemas.microsoft.com/office/drawing/2010/main" val="0"/>
               </a:ext>
             </a:extLst>
           </a:blip>
@@ -4745,6 +4806,14 @@
             </a:pPr>
             <a:fld id="{81D60167-4931-47E6-BA6A-407CBD079E47}" type="slidenum">
               <a:rPr spc="10" dirty="0"/>
+              <a:pPr marL="38100">
+                <a:lnSpc>
+                  <a:spcPct val="100000"/>
+                </a:lnSpc>
+                <a:spcBef>
+                  <a:spcPts val="55"/>
+                </a:spcBef>
+              </a:pPr>
               <a:t>2</a:t>
             </a:fld>
             <a:endParaRPr spc="10" dirty="0"/>
@@ -6242,6 +6311,14 @@
             </a:pPr>
             <a:fld id="{81D60167-4931-47E6-BA6A-407CBD079E47}" type="slidenum">
               <a:rPr spc="10" dirty="0"/>
+              <a:pPr marL="38100">
+                <a:lnSpc>
+                  <a:spcPct val="100000"/>
+                </a:lnSpc>
+                <a:spcBef>
+                  <a:spcPts val="55"/>
+                </a:spcBef>
+              </a:pPr>
               <a:t>3</a:t>
             </a:fld>
             <a:endParaRPr spc="10" dirty="0"/>
@@ -6644,6 +6721,14 @@
             </a:pPr>
             <a:fld id="{81D60167-4931-47E6-BA6A-407CBD079E47}" type="slidenum">
               <a:rPr spc="10" dirty="0"/>
+              <a:pPr marL="38100">
+                <a:lnSpc>
+                  <a:spcPct val="100000"/>
+                </a:lnSpc>
+                <a:spcBef>
+                  <a:spcPts val="55"/>
+                </a:spcBef>
+              </a:pPr>
               <a:t>4</a:t>
             </a:fld>
             <a:endParaRPr spc="10" dirty="0"/>
@@ -6655,7 +6740,7 @@
           <p:cNvPr id="12" name="TextBox 11">
             <a:extLst>
               <a:ext uri="{FF2B5EF4-FFF2-40B4-BE49-F238E27FC236}">
-                <a16:creationId xmlns:a16="http://schemas.microsoft.com/office/drawing/2014/main" id="{E46E56A9-5B35-F7DE-1B30-50879F940BB1}"/>
+                <a16:creationId xmlns="" xmlns:a16="http://schemas.microsoft.com/office/drawing/2014/main" id="{E46E56A9-5B35-F7DE-1B30-50879F940BB1}"/>
               </a:ext>
             </a:extLst>
           </p:cNvPr>
@@ -7388,6 +7473,14 @@
             </a:pPr>
             <a:fld id="{81D60167-4931-47E6-BA6A-407CBD079E47}" type="slidenum">
               <a:rPr spc="10" dirty="0"/>
+              <a:pPr marL="38100">
+                <a:lnSpc>
+                  <a:spcPct val="100000"/>
+                </a:lnSpc>
+                <a:spcBef>
+                  <a:spcPts val="55"/>
+                </a:spcBef>
+              </a:pPr>
               <a:t>5</a:t>
             </a:fld>
             <a:endParaRPr spc="10" dirty="0"/>
@@ -7399,7 +7492,7 @@
           <p:cNvPr id="12" name="TextBox 11">
             <a:extLst>
               <a:ext uri="{FF2B5EF4-FFF2-40B4-BE49-F238E27FC236}">
-                <a16:creationId xmlns:a16="http://schemas.microsoft.com/office/drawing/2014/main" id="{F3D154D4-E7CB-1143-AC4F-8855F6B43729}"/>
+                <a16:creationId xmlns="" xmlns:a16="http://schemas.microsoft.com/office/drawing/2014/main" id="{F3D154D4-E7CB-1143-AC4F-8855F6B43729}"/>
               </a:ext>
             </a:extLst>
           </p:cNvPr>
@@ -8058,6 +8151,14 @@
             </a:pPr>
             <a:fld id="{81D60167-4931-47E6-BA6A-407CBD079E47}" type="slidenum">
               <a:rPr spc="10" dirty="0"/>
+              <a:pPr marL="38100">
+                <a:lnSpc>
+                  <a:spcPct val="100000"/>
+                </a:lnSpc>
+                <a:spcBef>
+                  <a:spcPts val="55"/>
+                </a:spcBef>
+              </a:pPr>
               <a:t>6</a:t>
             </a:fld>
             <a:endParaRPr spc="10" dirty="0"/>
@@ -8069,7 +8170,7 @@
           <p:cNvPr id="10" name="TextBox 9">
             <a:extLst>
               <a:ext uri="{FF2B5EF4-FFF2-40B4-BE49-F238E27FC236}">
-                <a16:creationId xmlns:a16="http://schemas.microsoft.com/office/drawing/2014/main" id="{FAF6F2ED-B741-002A-64DB-6E039A0772AF}"/>
+                <a16:creationId xmlns="" xmlns:a16="http://schemas.microsoft.com/office/drawing/2014/main" id="{FAF6F2ED-B741-002A-64DB-6E039A0772AF}"/>
               </a:ext>
             </a:extLst>
           </p:cNvPr>
@@ -8933,6 +9034,14 @@
             </a:pPr>
             <a:fld id="{81D60167-4931-47E6-BA6A-407CBD079E47}" type="slidenum">
               <a:rPr spc="10" dirty="0"/>
+              <a:pPr marL="38100">
+                <a:lnSpc>
+                  <a:spcPct val="100000"/>
+                </a:lnSpc>
+                <a:spcBef>
+                  <a:spcPts val="55"/>
+                </a:spcBef>
+              </a:pPr>
               <a:t>7</a:t>
             </a:fld>
             <a:endParaRPr spc="10" dirty="0"/>
@@ -8944,7 +9053,7 @@
           <p:cNvPr id="11" name="Rectangle 2">
             <a:extLst>
               <a:ext uri="{FF2B5EF4-FFF2-40B4-BE49-F238E27FC236}">
-                <a16:creationId xmlns:a16="http://schemas.microsoft.com/office/drawing/2014/main" id="{85BDD69D-CAD9-8D92-0825-93311A62A2E7}"/>
+                <a16:creationId xmlns="" xmlns:a16="http://schemas.microsoft.com/office/drawing/2014/main" id="{85BDD69D-CAD9-8D92-0825-93311A62A2E7}"/>
               </a:ext>
             </a:extLst>
           </p:cNvPr>
@@ -8968,14 +9077,14 @@
           <a:effectLst/>
           <a:extLst>
             <a:ext uri="{909E8E84-426E-40DD-AFC4-6F175D3DCCD1}">
-              <a14:hiddenFill xmlns:a14="http://schemas.microsoft.com/office/drawing/2010/main">
+              <a14:hiddenFill xmlns="" xmlns:a14="http://schemas.microsoft.com/office/drawing/2010/main">
                 <a:solidFill>
                   <a:schemeClr val="accent1"/>
                 </a:solidFill>
               </a14:hiddenFill>
             </a:ext>
             <a:ext uri="{91240B29-F687-4F45-9708-019B960494DF}">
-              <a14:hiddenLine xmlns:a14="http://schemas.microsoft.com/office/drawing/2010/main" w="9525">
+              <a14:hiddenLine xmlns="" xmlns:a14="http://schemas.microsoft.com/office/drawing/2010/main" w="9525">
                 <a:solidFill>
                   <a:schemeClr val="tx1"/>
                 </a:solidFill>
@@ -8985,7 +9094,7 @@
               </a14:hiddenLine>
             </a:ext>
             <a:ext uri="{AF507438-7753-43E0-B8FC-AC1667EBCBE1}">
-              <a14:hiddenEffects xmlns:a14="http://schemas.microsoft.com/office/drawing/2010/main">
+              <a14:hiddenEffects xmlns="" xmlns:a14="http://schemas.microsoft.com/office/drawing/2010/main">
                 <a:effectLst>
                   <a:outerShdw dist="35921" dir="2700000" algn="ctr" rotWithShape="0">
                     <a:schemeClr val="bg2"/>
@@ -9020,6 +9129,19 @@
               <a:buNone/>
               <a:tabLst/>
             </a:pPr>
+            <a:r>
+              <a:rPr kumimoji="0" lang="en-US" altLang="en-US" sz="1800" b="0" i="0" u="none" strike="noStrike" cap="none" normalizeH="0" baseline="0">
+                <a:ln>
+                  <a:noFill/>
+                </a:ln>
+                <a:solidFill>
+                  <a:srgbClr val="FFFFFF"/>
+                </a:solidFill>
+                <a:effectLst/>
+                <a:latin typeface="Söhne"/>
+              </a:rPr>
+              <a:t/>
+            </a:r>
             <a:br>
               <a:rPr kumimoji="0" lang="en-US" altLang="en-US" sz="1800" b="0" i="0" u="none" strike="noStrike" cap="none" normalizeH="0" baseline="0">
                 <a:ln>
@@ -9050,7 +9172,7 @@
           <p:cNvPr id="12" name="Rectangle 3">
             <a:extLst>
               <a:ext uri="{FF2B5EF4-FFF2-40B4-BE49-F238E27FC236}">
-                <a16:creationId xmlns:a16="http://schemas.microsoft.com/office/drawing/2014/main" id="{9CC339F9-2487-909D-3A32-559F663C24B5}"/>
+                <a16:creationId xmlns="" xmlns:a16="http://schemas.microsoft.com/office/drawing/2014/main" id="{9CC339F9-2487-909D-3A32-559F663C24B5}"/>
               </a:ext>
             </a:extLst>
           </p:cNvPr>
@@ -9074,14 +9196,14 @@
           <a:effectLst/>
           <a:extLst>
             <a:ext uri="{909E8E84-426E-40DD-AFC4-6F175D3DCCD1}">
-              <a14:hiddenFill xmlns:a14="http://schemas.microsoft.com/office/drawing/2010/main">
+              <a14:hiddenFill xmlns="" xmlns:a14="http://schemas.microsoft.com/office/drawing/2010/main">
                 <a:solidFill>
                   <a:schemeClr val="accent1"/>
                 </a:solidFill>
               </a14:hiddenFill>
             </a:ext>
             <a:ext uri="{91240B29-F687-4F45-9708-019B960494DF}">
-              <a14:hiddenLine xmlns:a14="http://schemas.microsoft.com/office/drawing/2010/main" w="9525">
+              <a14:hiddenLine xmlns="" xmlns:a14="http://schemas.microsoft.com/office/drawing/2010/main" w="9525">
                 <a:solidFill>
                   <a:schemeClr val="tx1"/>
                 </a:solidFill>
@@ -9091,7 +9213,7 @@
               </a14:hiddenLine>
             </a:ext>
             <a:ext uri="{AF507438-7753-43E0-B8FC-AC1667EBCBE1}">
-              <a14:hiddenEffects xmlns:a14="http://schemas.microsoft.com/office/drawing/2010/main">
+              <a14:hiddenEffects xmlns="" xmlns:a14="http://schemas.microsoft.com/office/drawing/2010/main">
                 <a:effectLst>
                   <a:outerShdw dist="35921" dir="2700000" algn="ctr" rotWithShape="0">
                     <a:schemeClr val="bg2"/>
@@ -9627,7 +9749,7 @@
           <p:cNvPr id="13" name="Rectangle 4">
             <a:extLst>
               <a:ext uri="{FF2B5EF4-FFF2-40B4-BE49-F238E27FC236}">
-                <a16:creationId xmlns:a16="http://schemas.microsoft.com/office/drawing/2014/main" id="{3A093496-BFD5-98B0-932C-2A72703FEDD6}"/>
+                <a16:creationId xmlns="" xmlns:a16="http://schemas.microsoft.com/office/drawing/2014/main" id="{3A093496-BFD5-98B0-932C-2A72703FEDD6}"/>
               </a:ext>
             </a:extLst>
           </p:cNvPr>
@@ -9651,14 +9773,14 @@
           <a:effectLst/>
           <a:extLst>
             <a:ext uri="{909E8E84-426E-40DD-AFC4-6F175D3DCCD1}">
-              <a14:hiddenFill xmlns:a14="http://schemas.microsoft.com/office/drawing/2010/main">
+              <a14:hiddenFill xmlns="" xmlns:a14="http://schemas.microsoft.com/office/drawing/2010/main">
                 <a:solidFill>
                   <a:schemeClr val="accent1"/>
                 </a:solidFill>
               </a14:hiddenFill>
             </a:ext>
             <a:ext uri="{91240B29-F687-4F45-9708-019B960494DF}">
-              <a14:hiddenLine xmlns:a14="http://schemas.microsoft.com/office/drawing/2010/main" w="9525">
+              <a14:hiddenLine xmlns="" xmlns:a14="http://schemas.microsoft.com/office/drawing/2010/main" w="9525">
                 <a:solidFill>
                   <a:schemeClr val="tx1"/>
                 </a:solidFill>
@@ -9668,7 +9790,7 @@
               </a14:hiddenLine>
             </a:ext>
             <a:ext uri="{AF507438-7753-43E0-B8FC-AC1667EBCBE1}">
-              <a14:hiddenEffects xmlns:a14="http://schemas.microsoft.com/office/drawing/2010/main">
+              <a14:hiddenEffects xmlns="" xmlns:a14="http://schemas.microsoft.com/office/drawing/2010/main">
                 <a:effectLst>
                   <a:outerShdw dist="35921" dir="2700000" algn="ctr" rotWithShape="0">
                     <a:schemeClr val="bg2"/>
@@ -9703,6 +9825,19 @@
               <a:buNone/>
               <a:tabLst/>
             </a:pPr>
+            <a:r>
+              <a:rPr kumimoji="0" lang="en-US" altLang="en-US" sz="1800" b="0" i="0" u="none" strike="noStrike" cap="none" normalizeH="0" baseline="0">
+                <a:ln>
+                  <a:noFill/>
+                </a:ln>
+                <a:solidFill>
+                  <a:srgbClr val="FFFFFF"/>
+                </a:solidFill>
+                <a:effectLst/>
+                <a:latin typeface="Söhne"/>
+              </a:rPr>
+              <a:t/>
+            </a:r>
             <a:br>
               <a:rPr kumimoji="0" lang="en-US" altLang="en-US" sz="1800" b="0" i="0" u="none" strike="noStrike" cap="none" normalizeH="0" baseline="0">
                 <a:ln>
@@ -10186,6 +10321,14 @@
                 <a:latin typeface="Trebuchet MS"/>
                 <a:cs typeface="Trebuchet MS"/>
               </a:rPr>
+              <a:pPr marL="38100">
+                <a:lnSpc>
+                  <a:spcPct val="100000"/>
+                </a:lnSpc>
+                <a:spcBef>
+                  <a:spcPts val="55"/>
+                </a:spcBef>
+              </a:pPr>
               <a:t>8</a:t>
             </a:fld>
             <a:endParaRPr sz="1100">
@@ -10200,7 +10343,7 @@
           <p:cNvPr id="10" name="TextBox 9">
             <a:extLst>
               <a:ext uri="{FF2B5EF4-FFF2-40B4-BE49-F238E27FC236}">
-                <a16:creationId xmlns:a16="http://schemas.microsoft.com/office/drawing/2014/main" id="{204EA9F1-26E9-D9F3-5819-E1B32F8EC120}"/>
+                <a16:creationId xmlns="" xmlns:a16="http://schemas.microsoft.com/office/drawing/2014/main" id="{204EA9F1-26E9-D9F3-5819-E1B32F8EC120}"/>
               </a:ext>
             </a:extLst>
           </p:cNvPr>
@@ -10926,6 +11069,14 @@
                 <a:latin typeface="Trebuchet MS"/>
                 <a:cs typeface="Trebuchet MS"/>
               </a:rPr>
+              <a:pPr marL="38100">
+                <a:lnSpc>
+                  <a:spcPct val="100000"/>
+                </a:lnSpc>
+                <a:spcBef>
+                  <a:spcPts val="55"/>
+                </a:spcBef>
+              </a:pPr>
               <a:t>9</a:t>
             </a:fld>
             <a:endParaRPr sz="1100">
@@ -11032,7 +11183,7 @@
           <p:cNvPr id="11" name="TextBox 10">
             <a:extLst>
               <a:ext uri="{FF2B5EF4-FFF2-40B4-BE49-F238E27FC236}">
-                <a16:creationId xmlns:a16="http://schemas.microsoft.com/office/drawing/2014/main" id="{6F78F5C6-69E4-4283-72CB-723E20126951}"/>
+                <a16:creationId xmlns="" xmlns:a16="http://schemas.microsoft.com/office/drawing/2014/main" id="{6F78F5C6-69E4-4283-72CB-723E20126951}"/>
               </a:ext>
             </a:extLst>
           </p:cNvPr>
@@ -11201,7 +11352,7 @@
           <p:cNvPr id="13" name="Picture 12">
             <a:extLst>
               <a:ext uri="{FF2B5EF4-FFF2-40B4-BE49-F238E27FC236}">
-                <a16:creationId xmlns:a16="http://schemas.microsoft.com/office/drawing/2014/main" id="{A0723128-192F-4BB8-2CBC-DEBA76798200}"/>
+                <a16:creationId xmlns="" xmlns:a16="http://schemas.microsoft.com/office/drawing/2014/main" id="{A0723128-192F-4BB8-2CBC-DEBA76798200}"/>
               </a:ext>
             </a:extLst>
           </p:cNvPr>
@@ -11221,7 +11372,7 @@
             </a:duotone>
             <a:extLst>
               <a:ext uri="{28A0092B-C50C-407E-A947-70E740481C1C}">
-                <a14:useLocalDpi xmlns:a14="http://schemas.microsoft.com/office/drawing/2010/main" val="0"/>
+                <a14:useLocalDpi xmlns="" xmlns:a14="http://schemas.microsoft.com/office/drawing/2010/main" val="0"/>
               </a:ext>
             </a:extLst>
           </a:blip>
@@ -11257,7 +11408,7 @@
           <p:cNvPr id="3074" name="Picture 2" descr="AI Powered Chatbot Helps Users Improve Mental Health|Health Tech Insider">
             <a:extLst>
               <a:ext uri="{FF2B5EF4-FFF2-40B4-BE49-F238E27FC236}">
-                <a16:creationId xmlns:a16="http://schemas.microsoft.com/office/drawing/2014/main" id="{A83E8741-EA75-5B6A-5E9D-E476D13D1E94}"/>
+                <a16:creationId xmlns="" xmlns:a16="http://schemas.microsoft.com/office/drawing/2014/main" id="{A83E8741-EA75-5B6A-5E9D-E476D13D1E94}"/>
               </a:ext>
             </a:extLst>
           </p:cNvPr>
@@ -11270,7 +11421,7 @@
           <a:blip r:embed="rId4">
             <a:extLst>
               <a:ext uri="{28A0092B-C50C-407E-A947-70E740481C1C}">
-                <a14:useLocalDpi xmlns:a14="http://schemas.microsoft.com/office/drawing/2010/main" val="0"/>
+                <a14:useLocalDpi xmlns="" xmlns:a14="http://schemas.microsoft.com/office/drawing/2010/main" val="0"/>
               </a:ext>
             </a:extLst>
           </a:blip>
@@ -11290,7 +11441,7 @@
           <a:noFill/>
           <a:extLst>
             <a:ext uri="{909E8E84-426E-40DD-AFC4-6F175D3DCCD1}">
-              <a14:hiddenFill xmlns:a14="http://schemas.microsoft.com/office/drawing/2010/main">
+              <a14:hiddenFill xmlns="" xmlns:a14="http://schemas.microsoft.com/office/drawing/2010/main">
                 <a:solidFill>
                   <a:srgbClr val="FFFFFF"/>
                 </a:solidFill>
@@ -11633,7 +11784,7 @@
     </a:clrScheme>
     <a:fontScheme name="Office">
       <a:majorFont>
-        <a:latin typeface="Calibri Light" panose="020F0302020204030204"/>
+        <a:latin typeface="Calibri Light"/>
         <a:ea typeface=""/>
         <a:cs typeface=""/>
         <a:font script="Jpan" typeface="游ゴシック Light"/>
@@ -11685,7 +11836,7 @@
         <a:font script="Tfng" typeface="Ebrima"/>
       </a:majorFont>
       <a:minorFont>
-        <a:latin typeface="Calibri" panose="020F0502020204030204"/>
+        <a:latin typeface="Calibri"/>
         <a:ea typeface=""/>
         <a:cs typeface=""/>
         <a:font script="Jpan" typeface="游ゴシック"/>
@@ -11879,7 +12030,7 @@
   <a:extraClrSchemeLst/>
   <a:extLst>
     <a:ext uri="{05A4C25C-085E-4340-85A3-A5531E510DB2}">
-      <thm15:themeFamily xmlns:thm15="http://schemas.microsoft.com/office/thememl/2012/main" name="Office Theme" id="{62F939B6-93AF-4DB8-9C6B-D6C7DFDC589F}" vid="{4A3C46E8-61CC-4603-A589-7422A47A8E4A}"/>
+      <thm15:themeFamily xmlns="" xmlns:thm15="http://schemas.microsoft.com/office/thememl/2012/main" name="Office Theme" id="{62F939B6-93AF-4DB8-9C6B-D6C7DFDC589F}" vid="{4A3C46E8-61CC-4603-A589-7422A47A8E4A}"/>
     </a:ext>
   </a:extLst>
 </a:theme>

--- a/naanmudhalvan.pptx
+++ b/naanmudhalvan.pptx
@@ -118,7 +118,7 @@
   </p:defaultTextStyle>
   <p:extLst>
     <p:ext uri="{EFAFB233-063F-42B5-8137-9DF3F51BA10A}">
-      <p15:sldGuideLst xmlns="" xmlns:p15="http://schemas.microsoft.com/office/powerpoint/2012/main">
+      <p15:sldGuideLst xmlns:p15="http://schemas.microsoft.com/office/powerpoint/2012/main" xmlns="">
         <p15:guide id="1" orient="horz" pos="2880">
           <p15:clr>
             <a:srgbClr val="A4A3A4"/>
@@ -387,7 +387,7 @@
     </p:spTree>
     <p:extLst>
       <p:ext uri="{BB962C8B-B14F-4D97-AF65-F5344CB8AC3E}">
-        <p14:creationId xmlns="" xmlns:p14="http://schemas.microsoft.com/office/powerpoint/2010/main" val="2242022262"/>
+        <p14:creationId xmlns:p14="http://schemas.microsoft.com/office/powerpoint/2010/main" xmlns="" val="2242022262"/>
       </p:ext>
     </p:extLst>
   </p:cSld>
@@ -562,7 +562,7 @@
     </p:spTree>
     <p:extLst>
       <p:ext uri="{BB962C8B-B14F-4D97-AF65-F5344CB8AC3E}">
-        <p14:creationId xmlns="" xmlns:p14="http://schemas.microsoft.com/office/powerpoint/2010/main" val="2361464948"/>
+        <p14:creationId xmlns:p14="http://schemas.microsoft.com/office/powerpoint/2010/main" xmlns="" val="2361464948"/>
       </p:ext>
     </p:extLst>
   </p:cSld>
@@ -2657,8 +2657,8 @@
         </p:nvSpPr>
         <p:spPr>
           <a:xfrm>
-            <a:off x="3167042" y="2643182"/>
-            <a:ext cx="6405626" cy="724557"/>
+            <a:off x="2381224" y="3000372"/>
+            <a:ext cx="8215370" cy="940001"/>
           </a:xfrm>
           <a:prstGeom prst="rect">
             <a:avLst/>
@@ -2679,14 +2679,29 @@
               </a:spcBef>
             </a:pPr>
             <a:r>
-              <a:rPr lang="en-IN" sz="4600" spc="15" dirty="0" err="1" smtClean="0"/>
+              <a:rPr lang="en-IN" sz="3000" spc="15" dirty="0" smtClean="0"/>
+              <a:t>Name: </a:t>
+            </a:r>
+            <a:r>
+              <a:rPr lang="en-IN" sz="3000" spc="15" dirty="0" err="1" smtClean="0"/>
               <a:t>Dinesh</a:t>
             </a:r>
             <a:r>
-              <a:rPr lang="en-IN" sz="4600" spc="15" dirty="0" smtClean="0"/>
+              <a:rPr lang="en-IN" sz="3000" spc="15" dirty="0" smtClean="0"/>
               <a:t> S</a:t>
             </a:r>
-            <a:endParaRPr sz="4600" spc="15" dirty="0"/>
+            <a:br>
+              <a:rPr lang="en-IN" sz="3000" spc="15" dirty="0" smtClean="0"/>
+            </a:br>
+            <a:r>
+              <a:rPr lang="en-IN" sz="3000" spc="15" dirty="0" smtClean="0"/>
+              <a:t>Reg. No:</a:t>
+            </a:r>
+            <a:r>
+              <a:rPr lang="en-IN" sz="3000" spc="15" dirty="0" smtClean="0"/>
+              <a:t>813821205011</a:t>
+            </a:r>
+            <a:endParaRPr sz="3000" spc="15" dirty="0"/>
           </a:p>
         </p:txBody>
       </p:sp>
@@ -2698,7 +2713,7 @@
         </p:nvSpPr>
         <p:spPr>
           <a:xfrm>
-            <a:off x="6395244" y="4343400"/>
+            <a:off x="5595934" y="4357694"/>
             <a:ext cx="4577555" cy="382156"/>
           </a:xfrm>
           <a:prstGeom prst="rect">
@@ -3491,7 +3506,7 @@
           <p:cNvPr id="11" name="Rectangle 2">
             <a:extLst>
               <a:ext uri="{FF2B5EF4-FFF2-40B4-BE49-F238E27FC236}">
-                <a16:creationId xmlns="" xmlns:a16="http://schemas.microsoft.com/office/drawing/2014/main" id="{02E4A8AF-4F2B-42CA-8531-DD07B1062F71}"/>
+                <a16:creationId xmlns:a16="http://schemas.microsoft.com/office/drawing/2014/main" xmlns="" id="{02E4A8AF-4F2B-42CA-8531-DD07B1062F71}"/>
               </a:ext>
             </a:extLst>
           </p:cNvPr>
@@ -3515,14 +3530,14 @@
           <a:effectLst/>
           <a:extLst>
             <a:ext uri="{909E8E84-426E-40DD-AFC4-6F175D3DCCD1}">
-              <a14:hiddenFill xmlns="" xmlns:a14="http://schemas.microsoft.com/office/drawing/2010/main">
+              <a14:hiddenFill xmlns:a14="http://schemas.microsoft.com/office/drawing/2010/main" xmlns="">
                 <a:solidFill>
                   <a:schemeClr val="accent1"/>
                 </a:solidFill>
               </a14:hiddenFill>
             </a:ext>
             <a:ext uri="{91240B29-F687-4F45-9708-019B960494DF}">
-              <a14:hiddenLine xmlns="" xmlns:a14="http://schemas.microsoft.com/office/drawing/2010/main" w="9525">
+              <a14:hiddenLine xmlns:a14="http://schemas.microsoft.com/office/drawing/2010/main" xmlns="" w="9525">
                 <a:solidFill>
                   <a:schemeClr val="tx1"/>
                 </a:solidFill>
@@ -3532,7 +3547,7 @@
               </a14:hiddenLine>
             </a:ext>
             <a:ext uri="{AF507438-7753-43E0-B8FC-AC1667EBCBE1}">
-              <a14:hiddenEffects xmlns="" xmlns:a14="http://schemas.microsoft.com/office/drawing/2010/main">
+              <a14:hiddenEffects xmlns:a14="http://schemas.microsoft.com/office/drawing/2010/main" xmlns="">
                 <a:effectLst>
                   <a:outerShdw dist="35921" dir="2700000" algn="ctr" rotWithShape="0">
                     <a:schemeClr val="bg2"/>
@@ -3610,7 +3625,7 @@
           <p:cNvPr id="15" name="TextBox 14">
             <a:extLst>
               <a:ext uri="{FF2B5EF4-FFF2-40B4-BE49-F238E27FC236}">
-                <a16:creationId xmlns="" xmlns:a16="http://schemas.microsoft.com/office/drawing/2014/main" id="{DAA6A85E-C3E0-10A3-AF13-19835EAEE021}"/>
+                <a16:creationId xmlns:a16="http://schemas.microsoft.com/office/drawing/2014/main" xmlns="" id="{DAA6A85E-C3E0-10A3-AF13-19835EAEE021}"/>
               </a:ext>
             </a:extLst>
           </p:cNvPr>
@@ -3656,7 +3671,7 @@
           <p:cNvPr id="21" name="Picture 20">
             <a:extLst>
               <a:ext uri="{FF2B5EF4-FFF2-40B4-BE49-F238E27FC236}">
-                <a16:creationId xmlns="" xmlns:a16="http://schemas.microsoft.com/office/drawing/2014/main" id="{42A6CFA8-B1AC-0ABE-2CFE-E9CA2890C129}"/>
+                <a16:creationId xmlns:a16="http://schemas.microsoft.com/office/drawing/2014/main" xmlns="" id="{42A6CFA8-B1AC-0ABE-2CFE-E9CA2890C129}"/>
               </a:ext>
             </a:extLst>
           </p:cNvPr>
@@ -3669,7 +3684,7 @@
           <a:blip r:embed="rId4">
             <a:extLst>
               <a:ext uri="{28A0092B-C50C-407E-A947-70E740481C1C}">
-                <a14:useLocalDpi xmlns="" xmlns:a14="http://schemas.microsoft.com/office/drawing/2010/main" val="0"/>
+                <a14:useLocalDpi xmlns:a14="http://schemas.microsoft.com/office/drawing/2010/main" xmlns="" val="0"/>
               </a:ext>
             </a:extLst>
           </a:blip>
@@ -3692,7 +3707,7 @@
           <p:cNvPr id="23" name="Picture 22">
             <a:extLst>
               <a:ext uri="{FF2B5EF4-FFF2-40B4-BE49-F238E27FC236}">
-                <a16:creationId xmlns="" xmlns:a16="http://schemas.microsoft.com/office/drawing/2014/main" id="{4BEDF5D7-09A0-999B-9DC0-95FB591E2807}"/>
+                <a16:creationId xmlns:a16="http://schemas.microsoft.com/office/drawing/2014/main" xmlns="" id="{4BEDF5D7-09A0-999B-9DC0-95FB591E2807}"/>
               </a:ext>
             </a:extLst>
           </p:cNvPr>
@@ -3705,7 +3720,7 @@
           <a:blip r:embed="rId5">
             <a:extLst>
               <a:ext uri="{28A0092B-C50C-407E-A947-70E740481C1C}">
-                <a14:useLocalDpi xmlns="" xmlns:a14="http://schemas.microsoft.com/office/drawing/2010/main" val="0"/>
+                <a14:useLocalDpi xmlns:a14="http://schemas.microsoft.com/office/drawing/2010/main" xmlns="" val="0"/>
               </a:ext>
             </a:extLst>
           </a:blip>
@@ -6740,7 +6755,7 @@
           <p:cNvPr id="12" name="TextBox 11">
             <a:extLst>
               <a:ext uri="{FF2B5EF4-FFF2-40B4-BE49-F238E27FC236}">
-                <a16:creationId xmlns="" xmlns:a16="http://schemas.microsoft.com/office/drawing/2014/main" id="{E46E56A9-5B35-F7DE-1B30-50879F940BB1}"/>
+                <a16:creationId xmlns:a16="http://schemas.microsoft.com/office/drawing/2014/main" xmlns="" id="{E46E56A9-5B35-F7DE-1B30-50879F940BB1}"/>
               </a:ext>
             </a:extLst>
           </p:cNvPr>
@@ -7492,7 +7507,7 @@
           <p:cNvPr id="12" name="TextBox 11">
             <a:extLst>
               <a:ext uri="{FF2B5EF4-FFF2-40B4-BE49-F238E27FC236}">
-                <a16:creationId xmlns="" xmlns:a16="http://schemas.microsoft.com/office/drawing/2014/main" id="{F3D154D4-E7CB-1143-AC4F-8855F6B43729}"/>
+                <a16:creationId xmlns:a16="http://schemas.microsoft.com/office/drawing/2014/main" xmlns="" id="{F3D154D4-E7CB-1143-AC4F-8855F6B43729}"/>
               </a:ext>
             </a:extLst>
           </p:cNvPr>
@@ -8170,7 +8185,7 @@
           <p:cNvPr id="10" name="TextBox 9">
             <a:extLst>
               <a:ext uri="{FF2B5EF4-FFF2-40B4-BE49-F238E27FC236}">
-                <a16:creationId xmlns="" xmlns:a16="http://schemas.microsoft.com/office/drawing/2014/main" id="{FAF6F2ED-B741-002A-64DB-6E039A0772AF}"/>
+                <a16:creationId xmlns:a16="http://schemas.microsoft.com/office/drawing/2014/main" xmlns="" id="{FAF6F2ED-B741-002A-64DB-6E039A0772AF}"/>
               </a:ext>
             </a:extLst>
           </p:cNvPr>
@@ -9053,7 +9068,7 @@
           <p:cNvPr id="11" name="Rectangle 2">
             <a:extLst>
               <a:ext uri="{FF2B5EF4-FFF2-40B4-BE49-F238E27FC236}">
-                <a16:creationId xmlns="" xmlns:a16="http://schemas.microsoft.com/office/drawing/2014/main" id="{85BDD69D-CAD9-8D92-0825-93311A62A2E7}"/>
+                <a16:creationId xmlns:a16="http://schemas.microsoft.com/office/drawing/2014/main" xmlns="" id="{85BDD69D-CAD9-8D92-0825-93311A62A2E7}"/>
               </a:ext>
             </a:extLst>
           </p:cNvPr>
@@ -9077,14 +9092,14 @@
           <a:effectLst/>
           <a:extLst>
             <a:ext uri="{909E8E84-426E-40DD-AFC4-6F175D3DCCD1}">
-              <a14:hiddenFill xmlns="" xmlns:a14="http://schemas.microsoft.com/office/drawing/2010/main">
+              <a14:hiddenFill xmlns:a14="http://schemas.microsoft.com/office/drawing/2010/main" xmlns="">
                 <a:solidFill>
                   <a:schemeClr val="accent1"/>
                 </a:solidFill>
               </a14:hiddenFill>
             </a:ext>
             <a:ext uri="{91240B29-F687-4F45-9708-019B960494DF}">
-              <a14:hiddenLine xmlns="" xmlns:a14="http://schemas.microsoft.com/office/drawing/2010/main" w="9525">
+              <a14:hiddenLine xmlns:a14="http://schemas.microsoft.com/office/drawing/2010/main" xmlns="" w="9525">
                 <a:solidFill>
                   <a:schemeClr val="tx1"/>
                 </a:solidFill>
@@ -9094,7 +9109,7 @@
               </a14:hiddenLine>
             </a:ext>
             <a:ext uri="{AF507438-7753-43E0-B8FC-AC1667EBCBE1}">
-              <a14:hiddenEffects xmlns="" xmlns:a14="http://schemas.microsoft.com/office/drawing/2010/main">
+              <a14:hiddenEffects xmlns:a14="http://schemas.microsoft.com/office/drawing/2010/main" xmlns="">
                 <a:effectLst>
                   <a:outerShdw dist="35921" dir="2700000" algn="ctr" rotWithShape="0">
                     <a:schemeClr val="bg2"/>
@@ -9172,7 +9187,7 @@
           <p:cNvPr id="12" name="Rectangle 3">
             <a:extLst>
               <a:ext uri="{FF2B5EF4-FFF2-40B4-BE49-F238E27FC236}">
-                <a16:creationId xmlns="" xmlns:a16="http://schemas.microsoft.com/office/drawing/2014/main" id="{9CC339F9-2487-909D-3A32-559F663C24B5}"/>
+                <a16:creationId xmlns:a16="http://schemas.microsoft.com/office/drawing/2014/main" xmlns="" id="{9CC339F9-2487-909D-3A32-559F663C24B5}"/>
               </a:ext>
             </a:extLst>
           </p:cNvPr>
@@ -9196,14 +9211,14 @@
           <a:effectLst/>
           <a:extLst>
             <a:ext uri="{909E8E84-426E-40DD-AFC4-6F175D3DCCD1}">
-              <a14:hiddenFill xmlns="" xmlns:a14="http://schemas.microsoft.com/office/drawing/2010/main">
+              <a14:hiddenFill xmlns:a14="http://schemas.microsoft.com/office/drawing/2010/main" xmlns="">
                 <a:solidFill>
                   <a:schemeClr val="accent1"/>
                 </a:solidFill>
               </a14:hiddenFill>
             </a:ext>
             <a:ext uri="{91240B29-F687-4F45-9708-019B960494DF}">
-              <a14:hiddenLine xmlns="" xmlns:a14="http://schemas.microsoft.com/office/drawing/2010/main" w="9525">
+              <a14:hiddenLine xmlns:a14="http://schemas.microsoft.com/office/drawing/2010/main" xmlns="" w="9525">
                 <a:solidFill>
                   <a:schemeClr val="tx1"/>
                 </a:solidFill>
@@ -9213,7 +9228,7 @@
               </a14:hiddenLine>
             </a:ext>
             <a:ext uri="{AF507438-7753-43E0-B8FC-AC1667EBCBE1}">
-              <a14:hiddenEffects xmlns="" xmlns:a14="http://schemas.microsoft.com/office/drawing/2010/main">
+              <a14:hiddenEffects xmlns:a14="http://schemas.microsoft.com/office/drawing/2010/main" xmlns="">
                 <a:effectLst>
                   <a:outerShdw dist="35921" dir="2700000" algn="ctr" rotWithShape="0">
                     <a:schemeClr val="bg2"/>
@@ -9749,7 +9764,7 @@
           <p:cNvPr id="13" name="Rectangle 4">
             <a:extLst>
               <a:ext uri="{FF2B5EF4-FFF2-40B4-BE49-F238E27FC236}">
-                <a16:creationId xmlns="" xmlns:a16="http://schemas.microsoft.com/office/drawing/2014/main" id="{3A093496-BFD5-98B0-932C-2A72703FEDD6}"/>
+                <a16:creationId xmlns:a16="http://schemas.microsoft.com/office/drawing/2014/main" xmlns="" id="{3A093496-BFD5-98B0-932C-2A72703FEDD6}"/>
               </a:ext>
             </a:extLst>
           </p:cNvPr>
@@ -9773,14 +9788,14 @@
           <a:effectLst/>
           <a:extLst>
             <a:ext uri="{909E8E84-426E-40DD-AFC4-6F175D3DCCD1}">
-              <a14:hiddenFill xmlns="" xmlns:a14="http://schemas.microsoft.com/office/drawing/2010/main">
+              <a14:hiddenFill xmlns:a14="http://schemas.microsoft.com/office/drawing/2010/main" xmlns="">
                 <a:solidFill>
                   <a:schemeClr val="accent1"/>
                 </a:solidFill>
               </a14:hiddenFill>
             </a:ext>
             <a:ext uri="{91240B29-F687-4F45-9708-019B960494DF}">
-              <a14:hiddenLine xmlns="" xmlns:a14="http://schemas.microsoft.com/office/drawing/2010/main" w="9525">
+              <a14:hiddenLine xmlns:a14="http://schemas.microsoft.com/office/drawing/2010/main" xmlns="" w="9525">
                 <a:solidFill>
                   <a:schemeClr val="tx1"/>
                 </a:solidFill>
@@ -9790,7 +9805,7 @@
               </a14:hiddenLine>
             </a:ext>
             <a:ext uri="{AF507438-7753-43E0-B8FC-AC1667EBCBE1}">
-              <a14:hiddenEffects xmlns="" xmlns:a14="http://schemas.microsoft.com/office/drawing/2010/main">
+              <a14:hiddenEffects xmlns:a14="http://schemas.microsoft.com/office/drawing/2010/main" xmlns="">
                 <a:effectLst>
                   <a:outerShdw dist="35921" dir="2700000" algn="ctr" rotWithShape="0">
                     <a:schemeClr val="bg2"/>
@@ -10343,7 +10358,7 @@
           <p:cNvPr id="10" name="TextBox 9">
             <a:extLst>
               <a:ext uri="{FF2B5EF4-FFF2-40B4-BE49-F238E27FC236}">
-                <a16:creationId xmlns="" xmlns:a16="http://schemas.microsoft.com/office/drawing/2014/main" id="{204EA9F1-26E9-D9F3-5819-E1B32F8EC120}"/>
+                <a16:creationId xmlns:a16="http://schemas.microsoft.com/office/drawing/2014/main" xmlns="" id="{204EA9F1-26E9-D9F3-5819-E1B32F8EC120}"/>
               </a:ext>
             </a:extLst>
           </p:cNvPr>
@@ -11183,7 +11198,7 @@
           <p:cNvPr id="11" name="TextBox 10">
             <a:extLst>
               <a:ext uri="{FF2B5EF4-FFF2-40B4-BE49-F238E27FC236}">
-                <a16:creationId xmlns="" xmlns:a16="http://schemas.microsoft.com/office/drawing/2014/main" id="{6F78F5C6-69E4-4283-72CB-723E20126951}"/>
+                <a16:creationId xmlns:a16="http://schemas.microsoft.com/office/drawing/2014/main" xmlns="" id="{6F78F5C6-69E4-4283-72CB-723E20126951}"/>
               </a:ext>
             </a:extLst>
           </p:cNvPr>
@@ -11352,7 +11367,7 @@
           <p:cNvPr id="13" name="Picture 12">
             <a:extLst>
               <a:ext uri="{FF2B5EF4-FFF2-40B4-BE49-F238E27FC236}">
-                <a16:creationId xmlns="" xmlns:a16="http://schemas.microsoft.com/office/drawing/2014/main" id="{A0723128-192F-4BB8-2CBC-DEBA76798200}"/>
+                <a16:creationId xmlns:a16="http://schemas.microsoft.com/office/drawing/2014/main" xmlns="" id="{A0723128-192F-4BB8-2CBC-DEBA76798200}"/>
               </a:ext>
             </a:extLst>
           </p:cNvPr>
@@ -11372,7 +11387,7 @@
             </a:duotone>
             <a:extLst>
               <a:ext uri="{28A0092B-C50C-407E-A947-70E740481C1C}">
-                <a14:useLocalDpi xmlns="" xmlns:a14="http://schemas.microsoft.com/office/drawing/2010/main" val="0"/>
+                <a14:useLocalDpi xmlns:a14="http://schemas.microsoft.com/office/drawing/2010/main" xmlns="" val="0"/>
               </a:ext>
             </a:extLst>
           </a:blip>
@@ -11408,7 +11423,7 @@
           <p:cNvPr id="3074" name="Picture 2" descr="AI Powered Chatbot Helps Users Improve Mental Health|Health Tech Insider">
             <a:extLst>
               <a:ext uri="{FF2B5EF4-FFF2-40B4-BE49-F238E27FC236}">
-                <a16:creationId xmlns="" xmlns:a16="http://schemas.microsoft.com/office/drawing/2014/main" id="{A83E8741-EA75-5B6A-5E9D-E476D13D1E94}"/>
+                <a16:creationId xmlns:a16="http://schemas.microsoft.com/office/drawing/2014/main" xmlns="" id="{A83E8741-EA75-5B6A-5E9D-E476D13D1E94}"/>
               </a:ext>
             </a:extLst>
           </p:cNvPr>
@@ -11421,7 +11436,7 @@
           <a:blip r:embed="rId4">
             <a:extLst>
               <a:ext uri="{28A0092B-C50C-407E-A947-70E740481C1C}">
-                <a14:useLocalDpi xmlns="" xmlns:a14="http://schemas.microsoft.com/office/drawing/2010/main" val="0"/>
+                <a14:useLocalDpi xmlns:a14="http://schemas.microsoft.com/office/drawing/2010/main" xmlns="" val="0"/>
               </a:ext>
             </a:extLst>
           </a:blip>
@@ -11441,7 +11456,7 @@
           <a:noFill/>
           <a:extLst>
             <a:ext uri="{909E8E84-426E-40DD-AFC4-6F175D3DCCD1}">
-              <a14:hiddenFill xmlns="" xmlns:a14="http://schemas.microsoft.com/office/drawing/2010/main">
+              <a14:hiddenFill xmlns:a14="http://schemas.microsoft.com/office/drawing/2010/main" xmlns="">
                 <a:solidFill>
                   <a:srgbClr val="FFFFFF"/>
                 </a:solidFill>
@@ -12030,7 +12045,7 @@
   <a:extraClrSchemeLst/>
   <a:extLst>
     <a:ext uri="{05A4C25C-085E-4340-85A3-A5531E510DB2}">
-      <thm15:themeFamily xmlns="" xmlns:thm15="http://schemas.microsoft.com/office/thememl/2012/main" name="Office Theme" id="{62F939B6-93AF-4DB8-9C6B-D6C7DFDC589F}" vid="{4A3C46E8-61CC-4603-A589-7422A47A8E4A}"/>
+      <thm15:themeFamily xmlns:thm15="http://schemas.microsoft.com/office/thememl/2012/main" xmlns="" name="Office Theme" id="{62F939B6-93AF-4DB8-9C6B-D6C7DFDC589F}" vid="{4A3C46E8-61CC-4603-A589-7422A47A8E4A}"/>
     </a:ext>
   </a:extLst>
 </a:theme>
